--- a/3年計畫_魚骨圖_素材.pptx
+++ b/3年計畫_魚骨圖_素材.pptx
@@ -262,7 +262,7 @@
           <a:p>
             <a:fld id="{69D334B5-F7E1-4E94-9FF9-4D713F777605}" type="datetimeFigureOut">
               <a:rPr lang="zh-TW" altLang="en-US" smtClean="0"/>
-              <a:t>2022/12/20</a:t>
+              <a:t>2022/12/25</a:t>
             </a:fld>
             <a:endParaRPr lang="zh-TW" altLang="en-US"/>
           </a:p>
@@ -460,7 +460,7 @@
           <a:p>
             <a:fld id="{69D334B5-F7E1-4E94-9FF9-4D713F777605}" type="datetimeFigureOut">
               <a:rPr lang="zh-TW" altLang="en-US" smtClean="0"/>
-              <a:t>2022/12/20</a:t>
+              <a:t>2022/12/25</a:t>
             </a:fld>
             <a:endParaRPr lang="zh-TW" altLang="en-US"/>
           </a:p>
@@ -668,7 +668,7 @@
           <a:p>
             <a:fld id="{69D334B5-F7E1-4E94-9FF9-4D713F777605}" type="datetimeFigureOut">
               <a:rPr lang="zh-TW" altLang="en-US" smtClean="0"/>
-              <a:t>2022/12/20</a:t>
+              <a:t>2022/12/25</a:t>
             </a:fld>
             <a:endParaRPr lang="zh-TW" altLang="en-US"/>
           </a:p>
@@ -972,7 +972,7 @@
           <a:p>
             <a:fld id="{69D334B5-F7E1-4E94-9FF9-4D713F777605}" type="datetimeFigureOut">
               <a:rPr lang="zh-TW" altLang="en-US" smtClean="0"/>
-              <a:t>2022/12/20</a:t>
+              <a:t>2022/12/25</a:t>
             </a:fld>
             <a:endParaRPr lang="zh-TW" altLang="en-US"/>
           </a:p>
@@ -1261,7 +1261,7 @@
           <a:p>
             <a:fld id="{69D334B5-F7E1-4E94-9FF9-4D713F777605}" type="datetimeFigureOut">
               <a:rPr lang="zh-TW" altLang="en-US" smtClean="0"/>
-              <a:t>2022/12/20</a:t>
+              <a:t>2022/12/25</a:t>
             </a:fld>
             <a:endParaRPr lang="zh-TW" altLang="en-US"/>
           </a:p>
@@ -1526,7 +1526,7 @@
           <a:p>
             <a:fld id="{69D334B5-F7E1-4E94-9FF9-4D713F777605}" type="datetimeFigureOut">
               <a:rPr lang="zh-TW" altLang="en-US" smtClean="0"/>
-              <a:t>2022/12/20</a:t>
+              <a:t>2022/12/25</a:t>
             </a:fld>
             <a:endParaRPr lang="zh-TW" altLang="en-US"/>
           </a:p>
@@ -1938,7 +1938,7 @@
           <a:p>
             <a:fld id="{69D334B5-F7E1-4E94-9FF9-4D713F777605}" type="datetimeFigureOut">
               <a:rPr lang="zh-TW" altLang="en-US" smtClean="0"/>
-              <a:t>2022/12/20</a:t>
+              <a:t>2022/12/25</a:t>
             </a:fld>
             <a:endParaRPr lang="zh-TW" altLang="en-US"/>
           </a:p>
@@ -2079,7 +2079,7 @@
           <a:p>
             <a:fld id="{69D334B5-F7E1-4E94-9FF9-4D713F777605}" type="datetimeFigureOut">
               <a:rPr lang="zh-TW" altLang="en-US" smtClean="0"/>
-              <a:t>2022/12/20</a:t>
+              <a:t>2022/12/25</a:t>
             </a:fld>
             <a:endParaRPr lang="zh-TW" altLang="en-US"/>
           </a:p>
@@ -2192,7 +2192,7 @@
           <a:p>
             <a:fld id="{69D334B5-F7E1-4E94-9FF9-4D713F777605}" type="datetimeFigureOut">
               <a:rPr lang="zh-TW" altLang="en-US" smtClean="0"/>
-              <a:t>2022/12/20</a:t>
+              <a:t>2022/12/25</a:t>
             </a:fld>
             <a:endParaRPr lang="zh-TW" altLang="en-US"/>
           </a:p>
@@ -2503,7 +2503,7 @@
           <a:p>
             <a:fld id="{69D334B5-F7E1-4E94-9FF9-4D713F777605}" type="datetimeFigureOut">
               <a:rPr lang="zh-TW" altLang="en-US" smtClean="0"/>
-              <a:t>2022/12/20</a:t>
+              <a:t>2022/12/25</a:t>
             </a:fld>
             <a:endParaRPr lang="zh-TW" altLang="en-US"/>
           </a:p>
@@ -2794,7 +2794,7 @@
           <a:p>
             <a:fld id="{69D334B5-F7E1-4E94-9FF9-4D713F777605}" type="datetimeFigureOut">
               <a:rPr lang="zh-TW" altLang="en-US" smtClean="0"/>
-              <a:t>2022/12/20</a:t>
+              <a:t>2022/12/25</a:t>
             </a:fld>
             <a:endParaRPr lang="zh-TW" altLang="en-US"/>
           </a:p>
@@ -3037,7 +3037,7 @@
           <a:p>
             <a:fld id="{69D334B5-F7E1-4E94-9FF9-4D713F777605}" type="datetimeFigureOut">
               <a:rPr lang="zh-TW" altLang="en-US" smtClean="0"/>
-              <a:t>2022/12/20</a:t>
+              <a:t>2022/12/25</a:t>
             </a:fld>
             <a:endParaRPr lang="zh-TW" altLang="en-US"/>
           </a:p>
@@ -3459,49 +3459,6 @@
           <a:chExt cx="0" cy="0"/>
         </a:xfrm>
       </p:grpSpPr>
-      <p:sp>
-        <p:nvSpPr>
-          <p:cNvPr id="7" name="標題 6">
-            <a:extLst>
-              <a:ext uri="{FF2B5EF4-FFF2-40B4-BE49-F238E27FC236}">
-                <a16:creationId xmlns:a16="http://schemas.microsoft.com/office/drawing/2014/main" id="{0E038269-1CB2-49C8-8D81-C7596A5861C2}"/>
-              </a:ext>
-            </a:extLst>
-          </p:cNvPr>
-          <p:cNvSpPr>
-            <a:spLocks noGrp="1"/>
-          </p:cNvSpPr>
-          <p:nvPr>
-            <p:ph type="title"/>
-          </p:nvPr>
-        </p:nvSpPr>
-        <p:spPr/>
-        <p:txBody>
-          <a:bodyPr>
-            <a:normAutofit/>
-          </a:bodyPr>
-          <a:lstStyle/>
-          <a:p>
-            <a:pPr algn="ctr"/>
-            <a:r>
-              <a:rPr lang="zh-TW" altLang="en-US" b="1" dirty="0">
-                <a:latin typeface="Times New Roman" panose="02020603050405020304" pitchFamily="18" charset="0"/>
-                <a:ea typeface="標楷體" panose="03000509000000000000" pitchFamily="65" charset="-120"/>
-                <a:cs typeface="Times New Roman" panose="02020603050405020304" pitchFamily="18" charset="0"/>
-              </a:rPr>
-              <a:t>基於元強化學習之雲端應用服務主動適應的異常檢測系統</a:t>
-            </a:r>
-            <a:endParaRPr lang="en-US" altLang="zh-TW" b="1" dirty="0">
-              <a:solidFill>
-                <a:schemeClr val="tx1"/>
-              </a:solidFill>
-              <a:latin typeface="Times New Roman" panose="02020603050405020304" pitchFamily="18" charset="0"/>
-              <a:ea typeface="標楷體" panose="03000509000000000000" pitchFamily="65" charset="-120"/>
-              <a:cs typeface="Times New Roman" panose="02020603050405020304" pitchFamily="18" charset="0"/>
-            </a:endParaRPr>
-          </a:p>
-        </p:txBody>
-      </p:sp>
       <p:grpSp>
         <p:nvGrpSpPr>
           <p:cNvPr id="12" name="群組 11">
@@ -3649,7 +3606,7 @@
                       <a:ea typeface="標楷體" panose="03000509000000000000" pitchFamily="65" charset="-120"/>
                       <a:cs typeface="Times New Roman" panose="02020603050405020304" pitchFamily="18" charset="0"/>
                     </a:rPr>
-                    <a:t>基於數據驅動元學習和強化學習的計算資源異常偵測與預測之研究</a:t>
+                    <a:t>基於數據驅動元強化學習的應用服務之計算資源異常偵測與預測</a:t>
                   </a:r>
                   <a:endParaRPr lang="en-US" altLang="zh-TW" b="1" dirty="0">
                     <a:solidFill>
@@ -4049,7 +4006,7 @@
               </p:nvSpPr>
               <p:spPr>
                 <a:xfrm>
-                  <a:off x="1037586" y="4309087"/>
+                  <a:off x="899640" y="4346041"/>
                   <a:ext cx="1272049" cy="369332"/>
                 </a:xfrm>
                 <a:prstGeom prst="rect">
@@ -4104,7 +4061,7 @@
                       <a:ea typeface="標楷體" panose="03000509000000000000" pitchFamily="65" charset="-120"/>
                       <a:cs typeface="Times New Roman" panose="02020603050405020304" pitchFamily="18" charset="0"/>
                     </a:rPr>
-                    <a:t>cherry</a:t>
+                    <a:t>TRPO</a:t>
                   </a:r>
                 </a:p>
               </p:txBody>
@@ -4802,8 +4759,8 @@
               </p:nvSpPr>
               <p:spPr>
                 <a:xfrm>
-                  <a:off x="7575403" y="4055966"/>
-                  <a:ext cx="944770" cy="369332"/>
+                  <a:off x="7372205" y="4037494"/>
+                  <a:ext cx="1665528" cy="369332"/>
                 </a:xfrm>
                 <a:prstGeom prst="rect">
                   <a:avLst/>
@@ -4839,7 +4796,7 @@
                       <a:ea typeface="標楷體" panose="03000509000000000000" pitchFamily="65" charset="-120"/>
                       <a:cs typeface="Times New Roman" panose="02020603050405020304" pitchFamily="18" charset="0"/>
                     </a:rPr>
-                    <a:t>PyQt5</a:t>
+                    <a:t>Meta Feature</a:t>
                   </a:r>
                   <a:endParaRPr lang="zh-TW" altLang="en-US" dirty="0">
                     <a:latin typeface="Times New Roman" panose="02020603050405020304" pitchFamily="18" charset="0"/>
@@ -5223,15 +5180,15 @@
                       <a:ea typeface="標楷體" panose="03000509000000000000" pitchFamily="65" charset="-120"/>
                       <a:cs typeface="Times New Roman" panose="02020603050405020304" pitchFamily="18" charset="0"/>
                     </a:rPr>
-                    <a:t>- </a:t>
+                    <a:t>-</a:t>
                   </a:r>
                   <a:r>
-                    <a:rPr lang="en-US" altLang="zh-TW" dirty="0" err="1">
+                    <a:rPr lang="en-US" altLang="zh-TW" sz="1800" dirty="0">
+                      <a:effectLst/>
                       <a:latin typeface="Times New Roman" panose="02020603050405020304" pitchFamily="18" charset="0"/>
                       <a:ea typeface="標楷體" panose="03000509000000000000" pitchFamily="65" charset="-120"/>
-                      <a:cs typeface="Times New Roman" panose="02020603050405020304" pitchFamily="18" charset="0"/>
                     </a:rPr>
-                    <a:t>tsfresh</a:t>
+                    <a:t> TSFEL</a:t>
                   </a:r>
                   <a:endParaRPr lang="en-US" altLang="zh-TW" dirty="0">
                     <a:latin typeface="Times New Roman" panose="02020603050405020304" pitchFamily="18" charset="0"/>
@@ -5421,7 +5378,7 @@
               </p:nvSpPr>
               <p:spPr>
                 <a:xfrm>
-                  <a:off x="4632508" y="4429688"/>
+                  <a:off x="4533192" y="4429586"/>
                   <a:ext cx="2152017" cy="369332"/>
                 </a:xfrm>
                 <a:prstGeom prst="rect">
@@ -5458,7 +5415,7 @@
                       <a:ea typeface="標楷體" panose="03000509000000000000" pitchFamily="65" charset="-120"/>
                       <a:cs typeface="Times New Roman" panose="02020603050405020304" pitchFamily="18" charset="0"/>
                     </a:rPr>
-                    <a:t>FAMLE </a:t>
+                    <a:t>Active Learning </a:t>
                   </a:r>
                 </a:p>
               </p:txBody>
